--- a/presentation/1884561_1895955_1882789_presentation.pptx
+++ b/presentation/1884561_1895955_1882789_presentation.pptx
@@ -5599,8 +5599,8 @@
           <a:chExt cx="0" cy="0"/>
         </a:xfrm>
       </p:grpSpPr>
-      <mc:AlternateContent xmlns:mc="http://schemas.openxmlformats.org/markup-compatibility/2006">
-        <mc:Choice xmlns:a14="http://schemas.microsoft.com/office/drawing/2010/main" Requires="a14">
+      <mc:AlternateContent xmlns:mc="http://schemas.openxmlformats.org/markup-compatibility/2006" xmlns:a14="http://schemas.microsoft.com/office/drawing/2010/main">
+        <mc:Choice Requires="a14">
           <p:sp>
             <p:nvSpPr>
               <p:cNvPr id="13315" name="Segnaposto contenuto 2">
@@ -5849,7 +5849,7 @@
             </p:txBody>
           </p:sp>
         </mc:Choice>
-        <mc:Fallback>
+        <mc:Fallback xmlns="">
           <p:sp>
             <p:nvSpPr>
               <p:cNvPr id="13315" name="Segnaposto contenuto 2">
@@ -6306,10 +6306,10 @@
       </p:sp>
       <p:pic>
         <p:nvPicPr>
-          <p:cNvPr id="9" name="Immagine 8">
+          <p:cNvPr id="5" name="Immagine 4">
             <a:extLst>
               <a:ext uri="{FF2B5EF4-FFF2-40B4-BE49-F238E27FC236}">
-                <a16:creationId xmlns:a16="http://schemas.microsoft.com/office/drawing/2014/main" id="{CA0C3B24-A8B5-8BF2-C409-ACAEDC0BC33E}"/>
+                <a16:creationId xmlns:a16="http://schemas.microsoft.com/office/drawing/2014/main" id="{6637DEF6-C476-D85C-4414-1B4E99CE7BCA}"/>
               </a:ext>
             </a:extLst>
           </p:cNvPr>
@@ -6326,8 +6326,8 @@
         </p:blipFill>
         <p:spPr>
           <a:xfrm>
-            <a:off x="484021" y="1526625"/>
-            <a:ext cx="8175958" cy="1686351"/>
+            <a:off x="233772" y="1484784"/>
+            <a:ext cx="8676456" cy="1771163"/>
           </a:xfrm>
           <a:prstGeom prst="rect">
             <a:avLst/>
@@ -9142,8 +9142,8 @@
           <a:chExt cx="0" cy="0"/>
         </a:xfrm>
       </p:grpSpPr>
-      <mc:AlternateContent xmlns:mc="http://schemas.openxmlformats.org/markup-compatibility/2006">
-        <mc:Choice xmlns:a14="http://schemas.microsoft.com/office/drawing/2010/main" Requires="a14">
+      <mc:AlternateContent xmlns:mc="http://schemas.openxmlformats.org/markup-compatibility/2006" xmlns:a14="http://schemas.microsoft.com/office/drawing/2010/main">
+        <mc:Choice Requires="a14">
           <p:sp>
             <p:nvSpPr>
               <p:cNvPr id="10243" name="Segnaposto contenuto 2">
@@ -9247,7 +9247,7 @@
             </p:txBody>
           </p:sp>
         </mc:Choice>
-        <mc:Fallback>
+        <mc:Fallback xmlns="">
           <p:sp>
             <p:nvSpPr>
               <p:cNvPr id="10243" name="Segnaposto contenuto 2">
@@ -12762,10 +12762,10 @@
       </p:sp>
       <p:pic>
         <p:nvPicPr>
-          <p:cNvPr id="6" name="Immagine 5">
+          <p:cNvPr id="5" name="Immagine 4">
             <a:extLst>
               <a:ext uri="{FF2B5EF4-FFF2-40B4-BE49-F238E27FC236}">
-                <a16:creationId xmlns:a16="http://schemas.microsoft.com/office/drawing/2014/main" id="{CD23023A-91D3-DAA1-CD7B-43F5D9BC2CD1}"/>
+                <a16:creationId xmlns:a16="http://schemas.microsoft.com/office/drawing/2014/main" id="{6BED537A-9D3C-4867-4157-A6943BC5BEFF}"/>
               </a:ext>
             </a:extLst>
           </p:cNvPr>
@@ -12782,8 +12782,8 @@
         </p:blipFill>
         <p:spPr>
           <a:xfrm>
-            <a:off x="859796" y="1604127"/>
-            <a:ext cx="7424408" cy="1579661"/>
+            <a:off x="422778" y="1680608"/>
+            <a:ext cx="8298444" cy="1380439"/>
           </a:xfrm>
           <a:prstGeom prst="rect">
             <a:avLst/>
@@ -13096,14 +13096,14 @@
         <a:effectLst/>
         <a:extLst>
           <a:ext uri="{909E8E84-426E-40dd-AFC4-6F175D3DCCD1}">
-            <a14:hiddenFill xmlns="" xmlns:a14="http://schemas.microsoft.com/office/drawing/2010/main">
+            <a14:hiddenFill xmlns:a14="http://schemas.microsoft.com/office/drawing/2010/main" xmlns="">
               <a:solidFill>
                 <a:schemeClr val="accent1"/>
               </a:solidFill>
             </a14:hiddenFill>
           </a:ext>
           <a:ext uri="{91240B29-F687-4f45-9708-019B960494DF}">
-            <a14:hiddenLine xmlns="" xmlns:a14="http://schemas.microsoft.com/office/drawing/2010/main" w="9525" cap="flat" cmpd="sng" algn="ctr">
+            <a14:hiddenLine xmlns:a14="http://schemas.microsoft.com/office/drawing/2010/main" xmlns="" w="9525" cap="flat" cmpd="sng" algn="ctr">
               <a:solidFill>
                 <a:schemeClr val="tx1"/>
               </a:solidFill>
@@ -13114,7 +13114,7 @@
             </a14:hiddenLine>
           </a:ext>
           <a:ext uri="{AF507438-7753-43e0-B8FC-AC1667EBCBE1}">
-            <a14:hiddenEffects xmlns="" xmlns:a14="http://schemas.microsoft.com/office/drawing/2010/main">
+            <a14:hiddenEffects xmlns:a14="http://schemas.microsoft.com/office/drawing/2010/main" xmlns="">
               <a:effectLst>
                 <a:outerShdw blurRad="63500" dist="38099" dir="2700000" algn="ctr" rotWithShape="0">
                   <a:srgbClr val="000000">
@@ -13183,14 +13183,14 @@
         <a:effectLst/>
         <a:extLst>
           <a:ext uri="{909E8E84-426E-40dd-AFC4-6F175D3DCCD1}">
-            <a14:hiddenFill xmlns="" xmlns:a14="http://schemas.microsoft.com/office/drawing/2010/main">
+            <a14:hiddenFill xmlns:a14="http://schemas.microsoft.com/office/drawing/2010/main" xmlns="">
               <a:solidFill>
                 <a:schemeClr val="accent1"/>
               </a:solidFill>
             </a14:hiddenFill>
           </a:ext>
           <a:ext uri="{91240B29-F687-4f45-9708-019B960494DF}">
-            <a14:hiddenLine xmlns="" xmlns:a14="http://schemas.microsoft.com/office/drawing/2010/main" w="9525" cap="flat" cmpd="sng" algn="ctr">
+            <a14:hiddenLine xmlns:a14="http://schemas.microsoft.com/office/drawing/2010/main" xmlns="" w="9525" cap="flat" cmpd="sng" algn="ctr">
               <a:solidFill>
                 <a:schemeClr val="tx1"/>
               </a:solidFill>
@@ -13201,7 +13201,7 @@
             </a14:hiddenLine>
           </a:ext>
           <a:ext uri="{AF507438-7753-43e0-B8FC-AC1667EBCBE1}">
-            <a14:hiddenEffects xmlns="" xmlns:a14="http://schemas.microsoft.com/office/drawing/2010/main">
+            <a14:hiddenEffects xmlns:a14="http://schemas.microsoft.com/office/drawing/2010/main" xmlns="">
               <a:effectLst>
                 <a:outerShdw blurRad="63500" dist="38099" dir="2700000" algn="ctr" rotWithShape="0">
                   <a:srgbClr val="000000">

--- a/presentation/1884561_1895955_1882789_presentation.pptx
+++ b/presentation/1884561_1895955_1882789_presentation.pptx
@@ -5365,214 +5365,6 @@
   <p:clrMapOvr>
     <a:masterClrMapping/>
   </p:clrMapOvr>
-  <mc:AlternateContent xmlns:mc="http://schemas.openxmlformats.org/markup-compatibility/2006" xmlns:p159="http://schemas.microsoft.com/office/powerpoint/2015/09/main">
-    <mc:Choice Requires="p159">
-      <p:transition xmlns:p14="http://schemas.microsoft.com/office/powerpoint/2010/main" spd="slow" p14:dur="2000">
-        <p159:morph option="byObject"/>
-      </p:transition>
-    </mc:Choice>
-    <mc:Fallback xmlns="">
-      <p:transition spd="slow">
-        <p:fade/>
-      </p:transition>
-    </mc:Fallback>
-  </mc:AlternateContent>
-  <p:timing>
-    <p:tnLst>
-      <p:par>
-        <p:cTn id="1" dur="indefinite" restart="never" nodeType="tmRoot">
-          <p:childTnLst>
-            <p:seq concurrent="1" nextAc="seek">
-              <p:cTn id="2" dur="indefinite" nodeType="mainSeq">
-                <p:childTnLst>
-                  <p:par>
-                    <p:cTn id="3" fill="hold">
-                      <p:stCondLst>
-                        <p:cond delay="indefinite"/>
-                      </p:stCondLst>
-                      <p:childTnLst>
-                        <p:par>
-                          <p:cTn id="4" fill="hold">
-                            <p:stCondLst>
-                              <p:cond delay="0"/>
-                            </p:stCondLst>
-                            <p:childTnLst>
-                              <p:par>
-                                <p:cTn id="5" presetID="10" presetClass="entr" presetSubtype="0" fill="hold" grpId="0" nodeType="clickEffect">
-                                  <p:stCondLst>
-                                    <p:cond delay="0"/>
-                                  </p:stCondLst>
-                                  <p:childTnLst>
-                                    <p:set>
-                                      <p:cBhvr>
-                                        <p:cTn id="6" dur="1" fill="hold">
-                                          <p:stCondLst>
-                                            <p:cond delay="0"/>
-                                          </p:stCondLst>
-                                        </p:cTn>
-                                        <p:tgtEl>
-                                          <p:spTgt spid="4098"/>
-                                        </p:tgtEl>
-                                        <p:attrNameLst>
-                                          <p:attrName>style.visibility</p:attrName>
-                                        </p:attrNameLst>
-                                      </p:cBhvr>
-                                      <p:to>
-                                        <p:strVal val="visible"/>
-                                      </p:to>
-                                    </p:set>
-                                    <p:animEffect transition="in" filter="fade">
-                                      <p:cBhvr>
-                                        <p:cTn id="7" dur="500"/>
-                                        <p:tgtEl>
-                                          <p:spTgt spid="4098"/>
-                                        </p:tgtEl>
-                                      </p:cBhvr>
-                                    </p:animEffect>
-                                  </p:childTnLst>
-                                </p:cTn>
-                              </p:par>
-                              <p:par>
-                                <p:cTn id="8" presetID="10" presetClass="entr" presetSubtype="0" fill="hold" grpId="0" nodeType="withEffect">
-                                  <p:stCondLst>
-                                    <p:cond delay="0"/>
-                                  </p:stCondLst>
-                                  <p:childTnLst>
-                                    <p:set>
-                                      <p:cBhvr>
-                                        <p:cTn id="9" dur="1" fill="hold">
-                                          <p:stCondLst>
-                                            <p:cond delay="0"/>
-                                          </p:stCondLst>
-                                        </p:cTn>
-                                        <p:tgtEl>
-                                          <p:spTgt spid="2"/>
-                                        </p:tgtEl>
-                                        <p:attrNameLst>
-                                          <p:attrName>style.visibility</p:attrName>
-                                        </p:attrNameLst>
-                                      </p:cBhvr>
-                                      <p:to>
-                                        <p:strVal val="visible"/>
-                                      </p:to>
-                                    </p:set>
-                                    <p:animEffect transition="in" filter="fade">
-                                      <p:cBhvr>
-                                        <p:cTn id="10" dur="500"/>
-                                        <p:tgtEl>
-                                          <p:spTgt spid="2"/>
-                                        </p:tgtEl>
-                                      </p:cBhvr>
-                                    </p:animEffect>
-                                  </p:childTnLst>
-                                </p:cTn>
-                              </p:par>
-                              <p:par>
-                                <p:cTn id="11" presetID="10" presetClass="entr" presetSubtype="0" fill="hold" grpId="0" nodeType="withEffect">
-                                  <p:stCondLst>
-                                    <p:cond delay="0"/>
-                                  </p:stCondLst>
-                                  <p:childTnLst>
-                                    <p:set>
-                                      <p:cBhvr>
-                                        <p:cTn id="12" dur="1" fill="hold">
-                                          <p:stCondLst>
-                                            <p:cond delay="0"/>
-                                          </p:stCondLst>
-                                        </p:cTn>
-                                        <p:tgtEl>
-                                          <p:spTgt spid="5"/>
-                                        </p:tgtEl>
-                                        <p:attrNameLst>
-                                          <p:attrName>style.visibility</p:attrName>
-                                        </p:attrNameLst>
-                                      </p:cBhvr>
-                                      <p:to>
-                                        <p:strVal val="visible"/>
-                                      </p:to>
-                                    </p:set>
-                                    <p:animEffect transition="in" filter="fade">
-                                      <p:cBhvr>
-                                        <p:cTn id="13" dur="500"/>
-                                        <p:tgtEl>
-                                          <p:spTgt spid="5"/>
-                                        </p:tgtEl>
-                                      </p:cBhvr>
-                                    </p:animEffect>
-                                  </p:childTnLst>
-                                </p:cTn>
-                              </p:par>
-                            </p:childTnLst>
-                          </p:cTn>
-                        </p:par>
-                        <p:par>
-                          <p:cTn id="14" fill="hold">
-                            <p:stCondLst>
-                              <p:cond delay="500"/>
-                            </p:stCondLst>
-                            <p:childTnLst>
-                              <p:par>
-                                <p:cTn id="15" presetID="1" presetClass="entr" presetSubtype="0" fill="hold" grpId="1" nodeType="afterEffect">
-                                  <p:stCondLst>
-                                    <p:cond delay="0"/>
-                                  </p:stCondLst>
-                                  <p:childTnLst>
-                                    <p:set>
-                                      <p:cBhvr>
-                                        <p:cTn id="16" dur="1" fill="hold">
-                                          <p:stCondLst>
-                                            <p:cond delay="499"/>
-                                          </p:stCondLst>
-                                        </p:cTn>
-                                        <p:tgtEl>
-                                          <p:spTgt spid="4"/>
-                                        </p:tgtEl>
-                                        <p:attrNameLst>
-                                          <p:attrName>style.visibility</p:attrName>
-                                        </p:attrNameLst>
-                                      </p:cBhvr>
-                                      <p:to>
-                                        <p:strVal val="visible"/>
-                                      </p:to>
-                                    </p:set>
-                                  </p:childTnLst>
-                                </p:cTn>
-                              </p:par>
-                            </p:childTnLst>
-                          </p:cTn>
-                        </p:par>
-                      </p:childTnLst>
-                    </p:cTn>
-                  </p:par>
-                </p:childTnLst>
-              </p:cTn>
-              <p:prevCondLst>
-                <p:cond evt="onPrev" delay="0">
-                  <p:tgtEl>
-                    <p:sldTgt/>
-                  </p:tgtEl>
-                </p:cond>
-              </p:prevCondLst>
-              <p:nextCondLst>
-                <p:cond evt="onNext" delay="0">
-                  <p:tgtEl>
-                    <p:sldTgt/>
-                  </p:tgtEl>
-                </p:cond>
-              </p:nextCondLst>
-            </p:seq>
-          </p:childTnLst>
-        </p:cTn>
-      </p:par>
-    </p:tnLst>
-    <p:bldLst>
-      <p:bldP spid="4098" grpId="0" animBg="1"/>
-      <p:bldP spid="2" grpId="0" animBg="1"/>
-      <p:bldP spid="5" grpId="0"/>
-      <p:bldP spid="4" grpId="0" uiExpand="1" build="p"/>
-      <p:bldP spid="4" grpId="1" autoUpdateAnimBg="0"/>
-    </p:bldLst>
-  </p:timing>
 </p:sld>
 </file>
 
@@ -7333,18 +7125,6 @@
   <p:clrMapOvr>
     <a:masterClrMapping/>
   </p:clrMapOvr>
-  <mc:AlternateContent xmlns:mc="http://schemas.openxmlformats.org/markup-compatibility/2006" xmlns:p159="http://schemas.microsoft.com/office/powerpoint/2015/09/main">
-    <mc:Choice Requires="p159">
-      <p:transition xmlns:p14="http://schemas.microsoft.com/office/powerpoint/2010/main" spd="slow" p14:dur="2000">
-        <p159:morph option="byObject"/>
-      </p:transition>
-    </mc:Choice>
-    <mc:Fallback xmlns="">
-      <p:transition spd="slow">
-        <p:fade/>
-      </p:transition>
-    </mc:Fallback>
-  </mc:AlternateContent>
 </p:sld>
 </file>
 
@@ -13096,14 +12876,14 @@
         <a:effectLst/>
         <a:extLst>
           <a:ext uri="{909E8E84-426E-40dd-AFC4-6F175D3DCCD1}">
-            <a14:hiddenFill xmlns:a14="http://schemas.microsoft.com/office/drawing/2010/main" xmlns="">
+            <a14:hiddenFill xmlns="" xmlns:a14="http://schemas.microsoft.com/office/drawing/2010/main">
               <a:solidFill>
                 <a:schemeClr val="accent1"/>
               </a:solidFill>
             </a14:hiddenFill>
           </a:ext>
           <a:ext uri="{91240B29-F687-4f45-9708-019B960494DF}">
-            <a14:hiddenLine xmlns:a14="http://schemas.microsoft.com/office/drawing/2010/main" xmlns="" w="9525" cap="flat" cmpd="sng" algn="ctr">
+            <a14:hiddenLine xmlns="" xmlns:a14="http://schemas.microsoft.com/office/drawing/2010/main" w="9525" cap="flat" cmpd="sng" algn="ctr">
               <a:solidFill>
                 <a:schemeClr val="tx1"/>
               </a:solidFill>
@@ -13114,7 +12894,7 @@
             </a14:hiddenLine>
           </a:ext>
           <a:ext uri="{AF507438-7753-43e0-B8FC-AC1667EBCBE1}">
-            <a14:hiddenEffects xmlns:a14="http://schemas.microsoft.com/office/drawing/2010/main" xmlns="">
+            <a14:hiddenEffects xmlns="" xmlns:a14="http://schemas.microsoft.com/office/drawing/2010/main">
               <a:effectLst>
                 <a:outerShdw blurRad="63500" dist="38099" dir="2700000" algn="ctr" rotWithShape="0">
                   <a:srgbClr val="000000">
@@ -13183,14 +12963,14 @@
         <a:effectLst/>
         <a:extLst>
           <a:ext uri="{909E8E84-426E-40dd-AFC4-6F175D3DCCD1}">
-            <a14:hiddenFill xmlns:a14="http://schemas.microsoft.com/office/drawing/2010/main" xmlns="">
+            <a14:hiddenFill xmlns="" xmlns:a14="http://schemas.microsoft.com/office/drawing/2010/main">
               <a:solidFill>
                 <a:schemeClr val="accent1"/>
               </a:solidFill>
             </a14:hiddenFill>
           </a:ext>
           <a:ext uri="{91240B29-F687-4f45-9708-019B960494DF}">
-            <a14:hiddenLine xmlns:a14="http://schemas.microsoft.com/office/drawing/2010/main" xmlns="" w="9525" cap="flat" cmpd="sng" algn="ctr">
+            <a14:hiddenLine xmlns="" xmlns:a14="http://schemas.microsoft.com/office/drawing/2010/main" w="9525" cap="flat" cmpd="sng" algn="ctr">
               <a:solidFill>
                 <a:schemeClr val="tx1"/>
               </a:solidFill>
@@ -13201,7 +12981,7 @@
             </a14:hiddenLine>
           </a:ext>
           <a:ext uri="{AF507438-7753-43e0-B8FC-AC1667EBCBE1}">
-            <a14:hiddenEffects xmlns:a14="http://schemas.microsoft.com/office/drawing/2010/main" xmlns="">
+            <a14:hiddenEffects xmlns="" xmlns:a14="http://schemas.microsoft.com/office/drawing/2010/main">
               <a:effectLst>
                 <a:outerShdw blurRad="63500" dist="38099" dir="2700000" algn="ctr" rotWithShape="0">
                   <a:srgbClr val="000000">

--- a/presentation/1884561_1895955_1882789_presentation.pptx
+++ b/presentation/1884561_1895955_1882789_presentation.pptx
@@ -958,6 +958,382 @@
       </p:grpSpPr>
       <p:sp>
         <p:nvSpPr>
+          <p:cNvPr id="2" name="Segnaposto immagine diapositiva 1"/>
+          <p:cNvSpPr>
+            <a:spLocks noGrp="1" noRot="1" noChangeAspect="1"/>
+          </p:cNvSpPr>
+          <p:nvPr>
+            <p:ph type="sldImg"/>
+          </p:nvPr>
+        </p:nvSpPr>
+        <p:spPr/>
+      </p:sp>
+      <p:sp>
+        <p:nvSpPr>
+          <p:cNvPr id="3" name="Segnaposto note 2"/>
+          <p:cNvSpPr>
+            <a:spLocks noGrp="1"/>
+          </p:cNvSpPr>
+          <p:nvPr>
+            <p:ph type="body" idx="1"/>
+          </p:nvPr>
+        </p:nvSpPr>
+        <p:spPr/>
+        <p:txBody>
+          <a:bodyPr/>
+          <a:lstStyle/>
+          <a:p>
+            <a:r>
+              <a:rPr lang="it-IT" dirty="0"/>
+              <a:t>Lorenzo</a:t>
+            </a:r>
+            <a:endParaRPr lang="en-GB" dirty="0"/>
+          </a:p>
+        </p:txBody>
+      </p:sp>
+      <p:sp>
+        <p:nvSpPr>
+          <p:cNvPr id="4" name="Segnaposto numero diapositiva 3"/>
+          <p:cNvSpPr>
+            <a:spLocks noGrp="1"/>
+          </p:cNvSpPr>
+          <p:nvPr>
+            <p:ph type="sldNum" sz="quarter" idx="5"/>
+          </p:nvPr>
+        </p:nvSpPr>
+        <p:spPr/>
+        <p:txBody>
+          <a:bodyPr/>
+          <a:lstStyle/>
+          <a:p>
+            <a:pPr>
+              <a:defRPr/>
+            </a:pPr>
+            <a:fld id="{85CEF955-4F42-4C91-BE5A-4F8E7E1A99DB}" type="slidenum">
+              <a:rPr lang="it-IT" altLang="it-IT" smtClean="0"/>
+              <a:pPr>
+                <a:defRPr/>
+              </a:pPr>
+              <a:t>1</a:t>
+            </a:fld>
+            <a:endParaRPr lang="it-IT" altLang="it-IT"/>
+          </a:p>
+        </p:txBody>
+      </p:sp>
+    </p:spTree>
+    <p:extLst>
+      <p:ext uri="{BB962C8B-B14F-4D97-AF65-F5344CB8AC3E}">
+        <p14:creationId xmlns:p14="http://schemas.microsoft.com/office/powerpoint/2010/main" val="227159849"/>
+      </p:ext>
+    </p:extLst>
+  </p:cSld>
+  <p:clrMapOvr>
+    <a:masterClrMapping/>
+  </p:clrMapOvr>
+</p:notes>
+</file>
+
+<file path=ppt/notesSlides/notesSlide10.xml><?xml version="1.0" encoding="utf-8"?>
+<p:notes xmlns:a="http://schemas.openxmlformats.org/drawingml/2006/main" xmlns:r="http://schemas.openxmlformats.org/officeDocument/2006/relationships" xmlns:p="http://schemas.openxmlformats.org/presentationml/2006/main">
+  <p:cSld>
+    <p:spTree>
+      <p:nvGrpSpPr>
+        <p:cNvPr id="1" name=""/>
+        <p:cNvGrpSpPr/>
+        <p:nvPr/>
+      </p:nvGrpSpPr>
+      <p:grpSpPr>
+        <a:xfrm>
+          <a:off x="0" y="0"/>
+          <a:ext cx="0" cy="0"/>
+          <a:chOff x="0" y="0"/>
+          <a:chExt cx="0" cy="0"/>
+        </a:xfrm>
+      </p:grpSpPr>
+      <p:sp>
+        <p:nvSpPr>
+          <p:cNvPr id="2" name="Segnaposto immagine diapositiva 1"/>
+          <p:cNvSpPr>
+            <a:spLocks noGrp="1" noRot="1" noChangeAspect="1"/>
+          </p:cNvSpPr>
+          <p:nvPr>
+            <p:ph type="sldImg"/>
+          </p:nvPr>
+        </p:nvSpPr>
+        <p:spPr/>
+      </p:sp>
+      <p:sp>
+        <p:nvSpPr>
+          <p:cNvPr id="3" name="Segnaposto note 2"/>
+          <p:cNvSpPr>
+            <a:spLocks noGrp="1"/>
+          </p:cNvSpPr>
+          <p:nvPr>
+            <p:ph type="body" idx="1"/>
+          </p:nvPr>
+        </p:nvSpPr>
+        <p:spPr/>
+        <p:txBody>
+          <a:bodyPr/>
+          <a:lstStyle/>
+          <a:p>
+            <a:r>
+              <a:rPr lang="it-IT" dirty="0"/>
+              <a:t>Claudio</a:t>
+            </a:r>
+            <a:endParaRPr lang="en-GB" dirty="0"/>
+          </a:p>
+        </p:txBody>
+      </p:sp>
+      <p:sp>
+        <p:nvSpPr>
+          <p:cNvPr id="4" name="Segnaposto numero diapositiva 3"/>
+          <p:cNvSpPr>
+            <a:spLocks noGrp="1"/>
+          </p:cNvSpPr>
+          <p:nvPr>
+            <p:ph type="sldNum" sz="quarter" idx="5"/>
+          </p:nvPr>
+        </p:nvSpPr>
+        <p:spPr/>
+        <p:txBody>
+          <a:bodyPr/>
+          <a:lstStyle/>
+          <a:p>
+            <a:pPr>
+              <a:defRPr/>
+            </a:pPr>
+            <a:fld id="{85CEF955-4F42-4C91-BE5A-4F8E7E1A99DB}" type="slidenum">
+              <a:rPr lang="it-IT" altLang="it-IT" smtClean="0"/>
+              <a:pPr>
+                <a:defRPr/>
+              </a:pPr>
+              <a:t>10</a:t>
+            </a:fld>
+            <a:endParaRPr lang="it-IT" altLang="it-IT"/>
+          </a:p>
+        </p:txBody>
+      </p:sp>
+    </p:spTree>
+    <p:extLst>
+      <p:ext uri="{BB962C8B-B14F-4D97-AF65-F5344CB8AC3E}">
+        <p14:creationId xmlns:p14="http://schemas.microsoft.com/office/powerpoint/2010/main" val="2709973333"/>
+      </p:ext>
+    </p:extLst>
+  </p:cSld>
+  <p:clrMapOvr>
+    <a:masterClrMapping/>
+  </p:clrMapOvr>
+</p:notes>
+</file>
+
+<file path=ppt/notesSlides/notesSlide11.xml><?xml version="1.0" encoding="utf-8"?>
+<p:notes xmlns:a="http://schemas.openxmlformats.org/drawingml/2006/main" xmlns:r="http://schemas.openxmlformats.org/officeDocument/2006/relationships" xmlns:p="http://schemas.openxmlformats.org/presentationml/2006/main">
+  <p:cSld>
+    <p:spTree>
+      <p:nvGrpSpPr>
+        <p:cNvPr id="1" name=""/>
+        <p:cNvGrpSpPr/>
+        <p:nvPr/>
+      </p:nvGrpSpPr>
+      <p:grpSpPr>
+        <a:xfrm>
+          <a:off x="0" y="0"/>
+          <a:ext cx="0" cy="0"/>
+          <a:chOff x="0" y="0"/>
+          <a:chExt cx="0" cy="0"/>
+        </a:xfrm>
+      </p:grpSpPr>
+      <p:sp>
+        <p:nvSpPr>
+          <p:cNvPr id="2" name="Segnaposto immagine diapositiva 1"/>
+          <p:cNvSpPr>
+            <a:spLocks noGrp="1" noRot="1" noChangeAspect="1"/>
+          </p:cNvSpPr>
+          <p:nvPr>
+            <p:ph type="sldImg"/>
+          </p:nvPr>
+        </p:nvSpPr>
+        <p:spPr/>
+      </p:sp>
+      <p:sp>
+        <p:nvSpPr>
+          <p:cNvPr id="3" name="Segnaposto note 2"/>
+          <p:cNvSpPr>
+            <a:spLocks noGrp="1"/>
+          </p:cNvSpPr>
+          <p:nvPr>
+            <p:ph type="body" idx="1"/>
+          </p:nvPr>
+        </p:nvSpPr>
+        <p:spPr/>
+        <p:txBody>
+          <a:bodyPr/>
+          <a:lstStyle/>
+          <a:p>
+            <a:r>
+              <a:rPr lang="it-IT" dirty="0"/>
+              <a:t>Claudio</a:t>
+            </a:r>
+            <a:endParaRPr lang="en-GB" dirty="0"/>
+          </a:p>
+        </p:txBody>
+      </p:sp>
+      <p:sp>
+        <p:nvSpPr>
+          <p:cNvPr id="4" name="Segnaposto numero diapositiva 3"/>
+          <p:cNvSpPr>
+            <a:spLocks noGrp="1"/>
+          </p:cNvSpPr>
+          <p:nvPr>
+            <p:ph type="sldNum" sz="quarter" idx="5"/>
+          </p:nvPr>
+        </p:nvSpPr>
+        <p:spPr/>
+        <p:txBody>
+          <a:bodyPr/>
+          <a:lstStyle/>
+          <a:p>
+            <a:pPr>
+              <a:defRPr/>
+            </a:pPr>
+            <a:fld id="{85CEF955-4F42-4C91-BE5A-4F8E7E1A99DB}" type="slidenum">
+              <a:rPr lang="it-IT" altLang="it-IT" smtClean="0"/>
+              <a:pPr>
+                <a:defRPr/>
+              </a:pPr>
+              <a:t>11</a:t>
+            </a:fld>
+            <a:endParaRPr lang="it-IT" altLang="it-IT"/>
+          </a:p>
+        </p:txBody>
+      </p:sp>
+    </p:spTree>
+    <p:extLst>
+      <p:ext uri="{BB962C8B-B14F-4D97-AF65-F5344CB8AC3E}">
+        <p14:creationId xmlns:p14="http://schemas.microsoft.com/office/powerpoint/2010/main" val="693046591"/>
+      </p:ext>
+    </p:extLst>
+  </p:cSld>
+  <p:clrMapOvr>
+    <a:masterClrMapping/>
+  </p:clrMapOvr>
+</p:notes>
+</file>
+
+<file path=ppt/notesSlides/notesSlide2.xml><?xml version="1.0" encoding="utf-8"?>
+<p:notes xmlns:a="http://schemas.openxmlformats.org/drawingml/2006/main" xmlns:r="http://schemas.openxmlformats.org/officeDocument/2006/relationships" xmlns:p="http://schemas.openxmlformats.org/presentationml/2006/main">
+  <p:cSld>
+    <p:spTree>
+      <p:nvGrpSpPr>
+        <p:cNvPr id="1" name=""/>
+        <p:cNvGrpSpPr/>
+        <p:nvPr/>
+      </p:nvGrpSpPr>
+      <p:grpSpPr>
+        <a:xfrm>
+          <a:off x="0" y="0"/>
+          <a:ext cx="0" cy="0"/>
+          <a:chOff x="0" y="0"/>
+          <a:chExt cx="0" cy="0"/>
+        </a:xfrm>
+      </p:grpSpPr>
+      <p:sp>
+        <p:nvSpPr>
+          <p:cNvPr id="2" name="Segnaposto immagine diapositiva 1"/>
+          <p:cNvSpPr>
+            <a:spLocks noGrp="1" noRot="1" noChangeAspect="1"/>
+          </p:cNvSpPr>
+          <p:nvPr>
+            <p:ph type="sldImg"/>
+          </p:nvPr>
+        </p:nvSpPr>
+        <p:spPr/>
+      </p:sp>
+      <p:sp>
+        <p:nvSpPr>
+          <p:cNvPr id="3" name="Segnaposto note 2"/>
+          <p:cNvSpPr>
+            <a:spLocks noGrp="1"/>
+          </p:cNvSpPr>
+          <p:nvPr>
+            <p:ph type="body" idx="1"/>
+          </p:nvPr>
+        </p:nvSpPr>
+        <p:spPr/>
+        <p:txBody>
+          <a:bodyPr/>
+          <a:lstStyle/>
+          <a:p>
+            <a:r>
+              <a:rPr lang="it-IT" dirty="0"/>
+              <a:t>Lorenzo</a:t>
+            </a:r>
+            <a:endParaRPr lang="en-GB" dirty="0"/>
+          </a:p>
+        </p:txBody>
+      </p:sp>
+      <p:sp>
+        <p:nvSpPr>
+          <p:cNvPr id="4" name="Segnaposto numero diapositiva 3"/>
+          <p:cNvSpPr>
+            <a:spLocks noGrp="1"/>
+          </p:cNvSpPr>
+          <p:nvPr>
+            <p:ph type="sldNum" sz="quarter" idx="5"/>
+          </p:nvPr>
+        </p:nvSpPr>
+        <p:spPr/>
+        <p:txBody>
+          <a:bodyPr/>
+          <a:lstStyle/>
+          <a:p>
+            <a:pPr>
+              <a:defRPr/>
+            </a:pPr>
+            <a:fld id="{85CEF955-4F42-4C91-BE5A-4F8E7E1A99DB}" type="slidenum">
+              <a:rPr lang="it-IT" altLang="it-IT" smtClean="0"/>
+              <a:pPr>
+                <a:defRPr/>
+              </a:pPr>
+              <a:t>2</a:t>
+            </a:fld>
+            <a:endParaRPr lang="it-IT" altLang="it-IT"/>
+          </a:p>
+        </p:txBody>
+      </p:sp>
+    </p:spTree>
+    <p:extLst>
+      <p:ext uri="{BB962C8B-B14F-4D97-AF65-F5344CB8AC3E}">
+        <p14:creationId xmlns:p14="http://schemas.microsoft.com/office/powerpoint/2010/main" val="4254270075"/>
+      </p:ext>
+    </p:extLst>
+  </p:cSld>
+  <p:clrMapOvr>
+    <a:masterClrMapping/>
+  </p:clrMapOvr>
+</p:notes>
+</file>
+
+<file path=ppt/notesSlides/notesSlide3.xml><?xml version="1.0" encoding="utf-8"?>
+<p:notes xmlns:a="http://schemas.openxmlformats.org/drawingml/2006/main" xmlns:r="http://schemas.openxmlformats.org/officeDocument/2006/relationships" xmlns:p="http://schemas.openxmlformats.org/presentationml/2006/main">
+  <p:cSld>
+    <p:spTree>
+      <p:nvGrpSpPr>
+        <p:cNvPr id="1" name=""/>
+        <p:cNvGrpSpPr/>
+        <p:nvPr/>
+      </p:nvGrpSpPr>
+      <p:grpSpPr>
+        <a:xfrm>
+          <a:off x="0" y="0"/>
+          <a:ext cx="0" cy="0"/>
+          <a:chOff x="0" y="0"/>
+          <a:chExt cx="0" cy="0"/>
+        </a:xfrm>
+      </p:grpSpPr>
+      <p:sp>
+        <p:nvSpPr>
           <p:cNvPr id="9218" name="Rectangle 7">
             <a:extLst>
               <a:ext uri="{FF2B5EF4-FFF2-40B4-BE49-F238E27FC236}">
@@ -1184,7 +1560,11 @@
           <a:lstStyle/>
           <a:p>
             <a:pPr eaLnBrk="1" hangingPunct="1"/>
-            <a:endParaRPr lang="it-IT" altLang="it-IT"/>
+            <a:r>
+              <a:rPr lang="it-IT" dirty="0"/>
+              <a:t>Lorenzo</a:t>
+            </a:r>
+            <a:endParaRPr lang="it-IT" altLang="it-IT" dirty="0"/>
           </a:p>
         </p:txBody>
       </p:sp>
@@ -1196,7 +1576,7 @@
 </p:notes>
 </file>
 
-<file path=ppt/notesSlides/notesSlide2.xml><?xml version="1.0" encoding="utf-8"?>
+<file path=ppt/notesSlides/notesSlide4.xml><?xml version="1.0" encoding="utf-8"?>
 <p:notes xmlns:a="http://schemas.openxmlformats.org/drawingml/2006/main" xmlns:r="http://schemas.openxmlformats.org/officeDocument/2006/relationships" xmlns:p="http://schemas.openxmlformats.org/presentationml/2006/main">
   <p:cSld>
     <p:spTree>
@@ -1447,7 +1827,11 @@
           <a:lstStyle/>
           <a:p>
             <a:pPr eaLnBrk="1" hangingPunct="1"/>
-            <a:endParaRPr lang="it-IT" altLang="it-IT"/>
+            <a:r>
+              <a:rPr lang="it-IT" dirty="0"/>
+              <a:t>Lorenzo</a:t>
+            </a:r>
+            <a:endParaRPr lang="it-IT" altLang="it-IT" dirty="0"/>
           </a:p>
         </p:txBody>
       </p:sp>
@@ -1464,7 +1848,195 @@
 </p:notes>
 </file>
 
-<file path=ppt/notesSlides/notesSlide3.xml><?xml version="1.0" encoding="utf-8"?>
+<file path=ppt/notesSlides/notesSlide5.xml><?xml version="1.0" encoding="utf-8"?>
+<p:notes xmlns:a="http://schemas.openxmlformats.org/drawingml/2006/main" xmlns:r="http://schemas.openxmlformats.org/officeDocument/2006/relationships" xmlns:p="http://schemas.openxmlformats.org/presentationml/2006/main">
+  <p:cSld>
+    <p:spTree>
+      <p:nvGrpSpPr>
+        <p:cNvPr id="1" name=""/>
+        <p:cNvGrpSpPr/>
+        <p:nvPr/>
+      </p:nvGrpSpPr>
+      <p:grpSpPr>
+        <a:xfrm>
+          <a:off x="0" y="0"/>
+          <a:ext cx="0" cy="0"/>
+          <a:chOff x="0" y="0"/>
+          <a:chExt cx="0" cy="0"/>
+        </a:xfrm>
+      </p:grpSpPr>
+      <p:sp>
+        <p:nvSpPr>
+          <p:cNvPr id="2" name="Segnaposto immagine diapositiva 1"/>
+          <p:cNvSpPr>
+            <a:spLocks noGrp="1" noRot="1" noChangeAspect="1"/>
+          </p:cNvSpPr>
+          <p:nvPr>
+            <p:ph type="sldImg"/>
+          </p:nvPr>
+        </p:nvSpPr>
+        <p:spPr/>
+      </p:sp>
+      <p:sp>
+        <p:nvSpPr>
+          <p:cNvPr id="3" name="Segnaposto note 2"/>
+          <p:cNvSpPr>
+            <a:spLocks noGrp="1"/>
+          </p:cNvSpPr>
+          <p:nvPr>
+            <p:ph type="body" idx="1"/>
+          </p:nvPr>
+        </p:nvSpPr>
+        <p:spPr/>
+        <p:txBody>
+          <a:bodyPr/>
+          <a:lstStyle/>
+          <a:p>
+            <a:r>
+              <a:rPr lang="it-IT" dirty="0"/>
+              <a:t>Lorenzo</a:t>
+            </a:r>
+            <a:endParaRPr lang="en-GB" dirty="0"/>
+          </a:p>
+        </p:txBody>
+      </p:sp>
+      <p:sp>
+        <p:nvSpPr>
+          <p:cNvPr id="4" name="Segnaposto numero diapositiva 3"/>
+          <p:cNvSpPr>
+            <a:spLocks noGrp="1"/>
+          </p:cNvSpPr>
+          <p:nvPr>
+            <p:ph type="sldNum" sz="quarter" idx="5"/>
+          </p:nvPr>
+        </p:nvSpPr>
+        <p:spPr/>
+        <p:txBody>
+          <a:bodyPr/>
+          <a:lstStyle/>
+          <a:p>
+            <a:pPr>
+              <a:defRPr/>
+            </a:pPr>
+            <a:fld id="{85CEF955-4F42-4C91-BE5A-4F8E7E1A99DB}" type="slidenum">
+              <a:rPr lang="it-IT" altLang="it-IT" smtClean="0"/>
+              <a:pPr>
+                <a:defRPr/>
+              </a:pPr>
+              <a:t>5</a:t>
+            </a:fld>
+            <a:endParaRPr lang="it-IT" altLang="it-IT"/>
+          </a:p>
+        </p:txBody>
+      </p:sp>
+    </p:spTree>
+    <p:extLst>
+      <p:ext uri="{BB962C8B-B14F-4D97-AF65-F5344CB8AC3E}">
+        <p14:creationId xmlns:p14="http://schemas.microsoft.com/office/powerpoint/2010/main" val="3282887306"/>
+      </p:ext>
+    </p:extLst>
+  </p:cSld>
+  <p:clrMapOvr>
+    <a:masterClrMapping/>
+  </p:clrMapOvr>
+</p:notes>
+</file>
+
+<file path=ppt/notesSlides/notesSlide6.xml><?xml version="1.0" encoding="utf-8"?>
+<p:notes xmlns:a="http://schemas.openxmlformats.org/drawingml/2006/main" xmlns:r="http://schemas.openxmlformats.org/officeDocument/2006/relationships" xmlns:p="http://schemas.openxmlformats.org/presentationml/2006/main">
+  <p:cSld>
+    <p:spTree>
+      <p:nvGrpSpPr>
+        <p:cNvPr id="1" name=""/>
+        <p:cNvGrpSpPr/>
+        <p:nvPr/>
+      </p:nvGrpSpPr>
+      <p:grpSpPr>
+        <a:xfrm>
+          <a:off x="0" y="0"/>
+          <a:ext cx="0" cy="0"/>
+          <a:chOff x="0" y="0"/>
+          <a:chExt cx="0" cy="0"/>
+        </a:xfrm>
+      </p:grpSpPr>
+      <p:sp>
+        <p:nvSpPr>
+          <p:cNvPr id="2" name="Segnaposto immagine diapositiva 1"/>
+          <p:cNvSpPr>
+            <a:spLocks noGrp="1" noRot="1" noChangeAspect="1"/>
+          </p:cNvSpPr>
+          <p:nvPr>
+            <p:ph type="sldImg"/>
+          </p:nvPr>
+        </p:nvSpPr>
+        <p:spPr/>
+      </p:sp>
+      <p:sp>
+        <p:nvSpPr>
+          <p:cNvPr id="3" name="Segnaposto note 2"/>
+          <p:cNvSpPr>
+            <a:spLocks noGrp="1"/>
+          </p:cNvSpPr>
+          <p:nvPr>
+            <p:ph type="body" idx="1"/>
+          </p:nvPr>
+        </p:nvSpPr>
+        <p:spPr/>
+        <p:txBody>
+          <a:bodyPr/>
+          <a:lstStyle/>
+          <a:p>
+            <a:r>
+              <a:rPr lang="it-IT" dirty="0"/>
+              <a:t>Claudio</a:t>
+            </a:r>
+            <a:endParaRPr lang="en-GB" dirty="0"/>
+          </a:p>
+        </p:txBody>
+      </p:sp>
+      <p:sp>
+        <p:nvSpPr>
+          <p:cNvPr id="4" name="Segnaposto numero diapositiva 3"/>
+          <p:cNvSpPr>
+            <a:spLocks noGrp="1"/>
+          </p:cNvSpPr>
+          <p:nvPr>
+            <p:ph type="sldNum" sz="quarter" idx="5"/>
+          </p:nvPr>
+        </p:nvSpPr>
+        <p:spPr/>
+        <p:txBody>
+          <a:bodyPr/>
+          <a:lstStyle/>
+          <a:p>
+            <a:pPr>
+              <a:defRPr/>
+            </a:pPr>
+            <a:fld id="{85CEF955-4F42-4C91-BE5A-4F8E7E1A99DB}" type="slidenum">
+              <a:rPr lang="it-IT" altLang="it-IT" smtClean="0"/>
+              <a:pPr>
+                <a:defRPr/>
+              </a:pPr>
+              <a:t>6</a:t>
+            </a:fld>
+            <a:endParaRPr lang="it-IT" altLang="it-IT"/>
+          </a:p>
+        </p:txBody>
+      </p:sp>
+    </p:spTree>
+    <p:extLst>
+      <p:ext uri="{BB962C8B-B14F-4D97-AF65-F5344CB8AC3E}">
+        <p14:creationId xmlns:p14="http://schemas.microsoft.com/office/powerpoint/2010/main" val="591901309"/>
+      </p:ext>
+    </p:extLst>
+  </p:cSld>
+  <p:clrMapOvr>
+    <a:masterClrMapping/>
+  </p:clrMapOvr>
+</p:notes>
+</file>
+
+<file path=ppt/notesSlides/notesSlide7.xml><?xml version="1.0" encoding="utf-8"?>
 <p:notes xmlns:a="http://schemas.openxmlformats.org/drawingml/2006/main" xmlns:r="http://schemas.openxmlformats.org/officeDocument/2006/relationships" xmlns:p="http://schemas.openxmlformats.org/presentationml/2006/main">
   <p:cSld>
     <p:spTree>
@@ -1526,6 +2098,10 @@
           <a:bodyPr/>
           <a:lstStyle/>
           <a:p>
+            <a:r>
+              <a:rPr lang="it-IT" dirty="0"/>
+              <a:t>Jacopo</a:t>
+            </a:r>
             <a:endParaRPr lang="en-GB" dirty="0"/>
           </a:p>
         </p:txBody>
@@ -1578,7 +2154,7 @@
 </p:notes>
 </file>
 
-<file path=ppt/notesSlides/notesSlide4.xml><?xml version="1.0" encoding="utf-8"?>
+<file path=ppt/notesSlides/notesSlide8.xml><?xml version="1.0" encoding="utf-8"?>
 <p:notes xmlns:a="http://schemas.openxmlformats.org/drawingml/2006/main" xmlns:r="http://schemas.openxmlformats.org/officeDocument/2006/relationships" xmlns:p="http://schemas.openxmlformats.org/presentationml/2006/main">
   <p:cSld>
     <p:spTree>
@@ -1622,6 +2198,10 @@
           <a:bodyPr/>
           <a:lstStyle/>
           <a:p>
+            <a:r>
+              <a:rPr lang="it-IT" dirty="0"/>
+              <a:t>Jacopo</a:t>
+            </a:r>
             <a:endParaRPr lang="en-GB" dirty="0"/>
           </a:p>
         </p:txBody>
@@ -1659,6 +2239,100 @@
     <p:extLst>
       <p:ext uri="{BB962C8B-B14F-4D97-AF65-F5344CB8AC3E}">
         <p14:creationId xmlns:p14="http://schemas.microsoft.com/office/powerpoint/2010/main" val="1337374035"/>
+      </p:ext>
+    </p:extLst>
+  </p:cSld>
+  <p:clrMapOvr>
+    <a:masterClrMapping/>
+  </p:clrMapOvr>
+</p:notes>
+</file>
+
+<file path=ppt/notesSlides/notesSlide9.xml><?xml version="1.0" encoding="utf-8"?>
+<p:notes xmlns:a="http://schemas.openxmlformats.org/drawingml/2006/main" xmlns:r="http://schemas.openxmlformats.org/officeDocument/2006/relationships" xmlns:p="http://schemas.openxmlformats.org/presentationml/2006/main">
+  <p:cSld>
+    <p:spTree>
+      <p:nvGrpSpPr>
+        <p:cNvPr id="1" name=""/>
+        <p:cNvGrpSpPr/>
+        <p:nvPr/>
+      </p:nvGrpSpPr>
+      <p:grpSpPr>
+        <a:xfrm>
+          <a:off x="0" y="0"/>
+          <a:ext cx="0" cy="0"/>
+          <a:chOff x="0" y="0"/>
+          <a:chExt cx="0" cy="0"/>
+        </a:xfrm>
+      </p:grpSpPr>
+      <p:sp>
+        <p:nvSpPr>
+          <p:cNvPr id="2" name="Segnaposto immagine diapositiva 1"/>
+          <p:cNvSpPr>
+            <a:spLocks noGrp="1" noRot="1" noChangeAspect="1"/>
+          </p:cNvSpPr>
+          <p:nvPr>
+            <p:ph type="sldImg"/>
+          </p:nvPr>
+        </p:nvSpPr>
+        <p:spPr/>
+      </p:sp>
+      <p:sp>
+        <p:nvSpPr>
+          <p:cNvPr id="3" name="Segnaposto note 2"/>
+          <p:cNvSpPr>
+            <a:spLocks noGrp="1"/>
+          </p:cNvSpPr>
+          <p:nvPr>
+            <p:ph type="body" idx="1"/>
+          </p:nvPr>
+        </p:nvSpPr>
+        <p:spPr/>
+        <p:txBody>
+          <a:bodyPr/>
+          <a:lstStyle/>
+          <a:p>
+            <a:r>
+              <a:rPr lang="it-IT" dirty="0"/>
+              <a:t>Jacopo</a:t>
+            </a:r>
+            <a:endParaRPr lang="en-GB" dirty="0"/>
+          </a:p>
+        </p:txBody>
+      </p:sp>
+      <p:sp>
+        <p:nvSpPr>
+          <p:cNvPr id="4" name="Segnaposto numero diapositiva 3"/>
+          <p:cNvSpPr>
+            <a:spLocks noGrp="1"/>
+          </p:cNvSpPr>
+          <p:nvPr>
+            <p:ph type="sldNum" sz="quarter" idx="5"/>
+          </p:nvPr>
+        </p:nvSpPr>
+        <p:spPr/>
+        <p:txBody>
+          <a:bodyPr/>
+          <a:lstStyle/>
+          <a:p>
+            <a:pPr>
+              <a:defRPr/>
+            </a:pPr>
+            <a:fld id="{85CEF955-4F42-4C91-BE5A-4F8E7E1A99DB}" type="slidenum">
+              <a:rPr lang="it-IT" altLang="it-IT" smtClean="0"/>
+              <a:pPr>
+                <a:defRPr/>
+              </a:pPr>
+              <a:t>9</a:t>
+            </a:fld>
+            <a:endParaRPr lang="it-IT" altLang="it-IT"/>
+          </a:p>
+        </p:txBody>
+      </p:sp>
+    </p:spTree>
+    <p:extLst>
+      <p:ext uri="{BB962C8B-B14F-4D97-AF65-F5344CB8AC3E}">
+        <p14:creationId xmlns:p14="http://schemas.microsoft.com/office/powerpoint/2010/main" val="1938297905"/>
       </p:ext>
     </p:extLst>
   </p:cSld>
@@ -5088,7 +5762,7 @@
           <p:nvPr/>
         </p:nvPicPr>
         <p:blipFill>
-          <a:blip r:embed="rId2"/>
+          <a:blip r:embed="rId3"/>
           <a:stretch>
             <a:fillRect/>
           </a:stretch>
@@ -5664,7 +6338,7 @@
                 <a:ext cx="5839172" cy="1798166"/>
               </a:xfrm>
               <a:blipFill>
-                <a:blip r:embed="rId2"/>
+                <a:blip r:embed="rId3"/>
                 <a:stretch>
                   <a:fillRect l="-1670" t="-3051" r="-1566" b="-6780"/>
                 </a:stretch>
@@ -6111,7 +6785,7 @@
           <p:nvPr/>
         </p:nvPicPr>
         <p:blipFill>
-          <a:blip r:embed="rId3"/>
+          <a:blip r:embed="rId4"/>
           <a:stretch>
             <a:fillRect/>
           </a:stretch>
@@ -6375,7 +7049,13 @@
               <a:rPr lang="it-IT" altLang="it-IT" sz="3200" kern="0" dirty="0">
                 <a:latin typeface="Calibri" panose="020F0502020204030204" pitchFamily="34" charset="0"/>
               </a:rPr>
-              <a:t>THANK YOU FOR THE ATTENTION</a:t>
+              <a:t>THANK YOU FOR </a:t>
+            </a:r>
+            <a:r>
+              <a:rPr lang="it-IT" altLang="it-IT" sz="3200" kern="0">
+                <a:latin typeface="Calibri" panose="020F0502020204030204" pitchFamily="34" charset="0"/>
+              </a:rPr>
+              <a:t>THE (META)ATTENTION</a:t>
             </a:r>
             <a:endParaRPr lang="en-GB" altLang="it-IT" sz="3200" kern="0" dirty="0">
               <a:latin typeface="Calibri" panose="020F0502020204030204" pitchFamily="34" charset="0"/>
@@ -6913,7 +7593,7 @@
           <p:nvPr/>
         </p:nvPicPr>
         <p:blipFill>
-          <a:blip r:embed="rId2"/>
+          <a:blip r:embed="rId3"/>
           <a:stretch>
             <a:fillRect/>
           </a:stretch>
@@ -9050,7 +9730,7 @@
                 <a:ext cx="5400203" cy="1531937"/>
               </a:xfrm>
               <a:blipFill>
-                <a:blip r:embed="rId2"/>
+                <a:blip r:embed="rId3"/>
                 <a:stretch>
                   <a:fillRect l="-1806" t="-3586"/>
                 </a:stretch>
@@ -9086,7 +9766,7 @@
           <p:nvPr/>
         </p:nvPicPr>
         <p:blipFill rotWithShape="1">
-          <a:blip r:embed="rId3">
+          <a:blip r:embed="rId4">
             <a:extLst>
               <a:ext uri="{28A0092B-C50C-407E-A947-70E740481C1C}">
                 <a14:useLocalDpi xmlns:a14="http://schemas.microsoft.com/office/drawing/2010/main" val="0"/>
@@ -9581,8 +10261,8 @@
         </p:nvSpPr>
         <p:spPr bwMode="auto">
           <a:xfrm>
-            <a:off x="1043608" y="3336985"/>
-            <a:ext cx="7056784" cy="2252255"/>
+            <a:off x="1043608" y="3068960"/>
+            <a:ext cx="7056784" cy="2664296"/>
           </a:xfrm>
           <a:prstGeom prst="rect">
             <a:avLst/>
@@ -10038,6 +10718,33 @@
                 <a:ea typeface="ＭＳ Ｐゴシック" charset="0"/>
               </a:rPr>
               <a:t>function</a:t>
+            </a:r>
+            <a:endParaRPr lang="it-IT" altLang="it-IT" dirty="0">
+              <a:latin typeface="Calibri"/>
+              <a:ea typeface="ＭＳ Ｐゴシック" charset="0"/>
+            </a:endParaRPr>
+          </a:p>
+          <a:p>
+            <a:r>
+              <a:rPr lang="it-IT" altLang="it-IT" dirty="0" err="1">
+                <a:latin typeface="Calibri"/>
+                <a:ea typeface="ＭＳ Ｐゴシック" charset="0"/>
+              </a:rPr>
+              <a:t>Hyperparameter</a:t>
+            </a:r>
+            <a:r>
+              <a:rPr lang="it-IT" altLang="it-IT" dirty="0">
+                <a:latin typeface="Calibri"/>
+                <a:ea typeface="ＭＳ Ｐゴシック" charset="0"/>
+              </a:rPr>
+              <a:t> </a:t>
+            </a:r>
+            <a:r>
+              <a:rPr lang="it-IT" altLang="it-IT" dirty="0" err="1">
+                <a:latin typeface="Calibri"/>
+                <a:ea typeface="ＭＳ Ｐゴシック" charset="0"/>
+              </a:rPr>
+              <a:t>search</a:t>
             </a:r>
             <a:endParaRPr lang="it-IT" altLang="it-IT" dirty="0">
               <a:latin typeface="Calibri"/>
@@ -10061,7 +10768,7 @@
           <p:nvPr/>
         </p:nvPicPr>
         <p:blipFill rotWithShape="1">
-          <a:blip r:embed="rId2">
+          <a:blip r:embed="rId3">
             <a:extLst>
               <a:ext uri="{28A0092B-C50C-407E-A947-70E740481C1C}">
                 <a14:useLocalDpi xmlns:a14="http://schemas.microsoft.com/office/drawing/2010/main" val="0"/>
@@ -10073,7 +10780,7 @@
         </p:blipFill>
         <p:spPr bwMode="auto">
           <a:xfrm>
-            <a:off x="468845" y="1340768"/>
+            <a:off x="468845" y="1124744"/>
             <a:ext cx="8206310" cy="1817861"/>
           </a:xfrm>
           <a:prstGeom prst="rect">
@@ -12555,7 +13262,7 @@
           <p:nvPr/>
         </p:nvPicPr>
         <p:blipFill>
-          <a:blip r:embed="rId2"/>
+          <a:blip r:embed="rId3"/>
           <a:stretch>
             <a:fillRect/>
           </a:stretch>

--- a/presentation/1884561_1895955_1882789_presentation.pptx
+++ b/presentation/1884561_1895955_1882789_presentation.pptx
@@ -7526,12 +7526,12 @@
               <a:t> </a:t>
             </a:r>
             <a:r>
-              <a:rPr lang="it-IT" altLang="it-IT" dirty="0" err="1"/>
-              <a:t>calssification</a:t>
+              <a:rPr lang="it-IT" altLang="it-IT"/>
+              <a:t>classification </a:t>
             </a:r>
             <a:r>
               <a:rPr lang="it-IT" altLang="it-IT" dirty="0"/>
-              <a:t> on a </a:t>
+              <a:t>on a </a:t>
             </a:r>
             <a:r>
               <a:rPr lang="it-IT" altLang="it-IT" dirty="0" err="1"/>
@@ -13583,14 +13583,14 @@
         <a:effectLst/>
         <a:extLst>
           <a:ext uri="{909E8E84-426E-40dd-AFC4-6F175D3DCCD1}">
-            <a14:hiddenFill xmlns="" xmlns:a14="http://schemas.microsoft.com/office/drawing/2010/main">
+            <a14:hiddenFill xmlns:a14="http://schemas.microsoft.com/office/drawing/2010/main" xmlns="">
               <a:solidFill>
                 <a:schemeClr val="accent1"/>
               </a:solidFill>
             </a14:hiddenFill>
           </a:ext>
           <a:ext uri="{91240B29-F687-4f45-9708-019B960494DF}">
-            <a14:hiddenLine xmlns="" xmlns:a14="http://schemas.microsoft.com/office/drawing/2010/main" w="9525" cap="flat" cmpd="sng" algn="ctr">
+            <a14:hiddenLine xmlns:a14="http://schemas.microsoft.com/office/drawing/2010/main" xmlns="" w="9525" cap="flat" cmpd="sng" algn="ctr">
               <a:solidFill>
                 <a:schemeClr val="tx1"/>
               </a:solidFill>
@@ -13601,7 +13601,7 @@
             </a14:hiddenLine>
           </a:ext>
           <a:ext uri="{AF507438-7753-43e0-B8FC-AC1667EBCBE1}">
-            <a14:hiddenEffects xmlns="" xmlns:a14="http://schemas.microsoft.com/office/drawing/2010/main">
+            <a14:hiddenEffects xmlns:a14="http://schemas.microsoft.com/office/drawing/2010/main" xmlns="">
               <a:effectLst>
                 <a:outerShdw blurRad="63500" dist="38099" dir="2700000" algn="ctr" rotWithShape="0">
                   <a:srgbClr val="000000">
@@ -13670,14 +13670,14 @@
         <a:effectLst/>
         <a:extLst>
           <a:ext uri="{909E8E84-426E-40dd-AFC4-6F175D3DCCD1}">
-            <a14:hiddenFill xmlns="" xmlns:a14="http://schemas.microsoft.com/office/drawing/2010/main">
+            <a14:hiddenFill xmlns:a14="http://schemas.microsoft.com/office/drawing/2010/main" xmlns="">
               <a:solidFill>
                 <a:schemeClr val="accent1"/>
               </a:solidFill>
             </a14:hiddenFill>
           </a:ext>
           <a:ext uri="{91240B29-F687-4f45-9708-019B960494DF}">
-            <a14:hiddenLine xmlns="" xmlns:a14="http://schemas.microsoft.com/office/drawing/2010/main" w="9525" cap="flat" cmpd="sng" algn="ctr">
+            <a14:hiddenLine xmlns:a14="http://schemas.microsoft.com/office/drawing/2010/main" xmlns="" w="9525" cap="flat" cmpd="sng" algn="ctr">
               <a:solidFill>
                 <a:schemeClr val="tx1"/>
               </a:solidFill>
@@ -13688,7 +13688,7 @@
             </a14:hiddenLine>
           </a:ext>
           <a:ext uri="{AF507438-7753-43e0-B8FC-AC1667EBCBE1}">
-            <a14:hiddenEffects xmlns="" xmlns:a14="http://schemas.microsoft.com/office/drawing/2010/main">
+            <a14:hiddenEffects xmlns:a14="http://schemas.microsoft.com/office/drawing/2010/main" xmlns="">
               <a:effectLst>
                 <a:outerShdw blurRad="63500" dist="38099" dir="2700000" algn="ctr" rotWithShape="0">
                   <a:srgbClr val="000000">

--- a/presentation/1884561_1895955_1882789_presentation.pptx
+++ b/presentation/1884561_1895955_1882789_presentation.pptx
@@ -11931,10 +11931,10 @@
       </p:sp>
       <p:pic>
         <p:nvPicPr>
-          <p:cNvPr id="6" name="Immagine 5" descr="Immagine che contiene testo, schermata, linea, diagramma&#10;&#10;Descrizione generata automaticamente">
+          <p:cNvPr id="5" name="Immagine 4" descr="Immagine che contiene testo, schermata, diagramma, linea&#10;&#10;Descrizione generata automaticamente">
             <a:extLst>
               <a:ext uri="{FF2B5EF4-FFF2-40B4-BE49-F238E27FC236}">
-                <a16:creationId xmlns:a16="http://schemas.microsoft.com/office/drawing/2014/main" id="{B2965E8E-0645-65CE-8704-C1F193B87FA7}"/>
+                <a16:creationId xmlns:a16="http://schemas.microsoft.com/office/drawing/2014/main" id="{7B3B7115-4A48-95FC-0C1D-FFC9250BD587}"/>
               </a:ext>
             </a:extLst>
           </p:cNvPr>
@@ -11951,8 +11951,8 @@
         </p:blipFill>
         <p:spPr>
           <a:xfrm>
-            <a:off x="827584" y="1196752"/>
-            <a:ext cx="1958510" cy="4732430"/>
+            <a:off x="683568" y="1124744"/>
+            <a:ext cx="2244049" cy="4725144"/>
           </a:xfrm>
           <a:prstGeom prst="rect">
             <a:avLst/>
@@ -13583,14 +13583,14 @@
         <a:effectLst/>
         <a:extLst>
           <a:ext uri="{909E8E84-426E-40dd-AFC4-6F175D3DCCD1}">
-            <a14:hiddenFill xmlns="" xmlns:a14="http://schemas.microsoft.com/office/drawing/2010/main">
+            <a14:hiddenFill xmlns:a14="http://schemas.microsoft.com/office/drawing/2010/main" xmlns="">
               <a:solidFill>
                 <a:schemeClr val="accent1"/>
               </a:solidFill>
             </a14:hiddenFill>
           </a:ext>
           <a:ext uri="{91240B29-F687-4f45-9708-019B960494DF}">
-            <a14:hiddenLine xmlns="" xmlns:a14="http://schemas.microsoft.com/office/drawing/2010/main" w="9525" cap="flat" cmpd="sng" algn="ctr">
+            <a14:hiddenLine xmlns:a14="http://schemas.microsoft.com/office/drawing/2010/main" xmlns="" w="9525" cap="flat" cmpd="sng" algn="ctr">
               <a:solidFill>
                 <a:schemeClr val="tx1"/>
               </a:solidFill>
@@ -13601,7 +13601,7 @@
             </a14:hiddenLine>
           </a:ext>
           <a:ext uri="{AF507438-7753-43e0-B8FC-AC1667EBCBE1}">
-            <a14:hiddenEffects xmlns="" xmlns:a14="http://schemas.microsoft.com/office/drawing/2010/main">
+            <a14:hiddenEffects xmlns:a14="http://schemas.microsoft.com/office/drawing/2010/main" xmlns="">
               <a:effectLst>
                 <a:outerShdw blurRad="63500" dist="38099" dir="2700000" algn="ctr" rotWithShape="0">
                   <a:srgbClr val="000000">
@@ -13670,14 +13670,14 @@
         <a:effectLst/>
         <a:extLst>
           <a:ext uri="{909E8E84-426E-40dd-AFC4-6F175D3DCCD1}">
-            <a14:hiddenFill xmlns="" xmlns:a14="http://schemas.microsoft.com/office/drawing/2010/main">
+            <a14:hiddenFill xmlns:a14="http://schemas.microsoft.com/office/drawing/2010/main" xmlns="">
               <a:solidFill>
                 <a:schemeClr val="accent1"/>
               </a:solidFill>
             </a14:hiddenFill>
           </a:ext>
           <a:ext uri="{91240B29-F687-4f45-9708-019B960494DF}">
-            <a14:hiddenLine xmlns="" xmlns:a14="http://schemas.microsoft.com/office/drawing/2010/main" w="9525" cap="flat" cmpd="sng" algn="ctr">
+            <a14:hiddenLine xmlns:a14="http://schemas.microsoft.com/office/drawing/2010/main" xmlns="" w="9525" cap="flat" cmpd="sng" algn="ctr">
               <a:solidFill>
                 <a:schemeClr val="tx1"/>
               </a:solidFill>
@@ -13688,7 +13688,7 @@
             </a14:hiddenLine>
           </a:ext>
           <a:ext uri="{AF507438-7753-43e0-B8FC-AC1667EBCBE1}">
-            <a14:hiddenEffects xmlns="" xmlns:a14="http://schemas.microsoft.com/office/drawing/2010/main">
+            <a14:hiddenEffects xmlns:a14="http://schemas.microsoft.com/office/drawing/2010/main" xmlns="">
               <a:effectLst>
                 <a:outerShdw blurRad="63500" dist="38099" dir="2700000" algn="ctr" rotWithShape="0">
                   <a:srgbClr val="000000">

--- a/presentation/1884561_1895955_1882789_presentation.pptx
+++ b/presentation/1884561_1895955_1882789_presentation.pptx
@@ -6039,6 +6039,18 @@
   <p:clrMapOvr>
     <a:masterClrMapping/>
   </p:clrMapOvr>
+  <mc:AlternateContent xmlns:mc="http://schemas.openxmlformats.org/markup-compatibility/2006">
+    <mc:Choice xmlns:p14="http://schemas.microsoft.com/office/powerpoint/2010/main" Requires="p14">
+      <p:transition spd="med" p14:dur="700">
+        <p:fade/>
+      </p:transition>
+    </mc:Choice>
+    <mc:Fallback>
+      <p:transition spd="med">
+        <p:fade/>
+      </p:transition>
+    </mc:Fallback>
+  </mc:AlternateContent>
 </p:sld>
 </file>
 
@@ -6810,6 +6822,18 @@
   <p:clrMapOvr>
     <a:masterClrMapping/>
   </p:clrMapOvr>
+  <mc:AlternateContent xmlns:mc="http://schemas.openxmlformats.org/markup-compatibility/2006">
+    <mc:Choice xmlns:p14="http://schemas.microsoft.com/office/powerpoint/2010/main" Requires="p14">
+      <p:transition spd="med" p14:dur="700">
+        <p:fade/>
+      </p:transition>
+    </mc:Choice>
+    <mc:Fallback>
+      <p:transition spd="med">
+        <p:fade/>
+      </p:transition>
+    </mc:Fallback>
+  </mc:AlternateContent>
 </p:sld>
 </file>
 
@@ -7074,6 +7098,18 @@
   <p:clrMapOvr>
     <a:masterClrMapping/>
   </p:clrMapOvr>
+  <mc:AlternateContent xmlns:mc="http://schemas.openxmlformats.org/markup-compatibility/2006">
+    <mc:Choice xmlns:p14="http://schemas.microsoft.com/office/powerpoint/2010/main" Requires="p14">
+      <p:transition spd="med" p14:dur="700">
+        <p:fade/>
+      </p:transition>
+    </mc:Choice>
+    <mc:Fallback>
+      <p:transition spd="med">
+        <p:fade/>
+      </p:transition>
+    </mc:Fallback>
+  </mc:AlternateContent>
   <p:timing>
     <p:tnLst>
       <p:par>
@@ -7805,6 +7841,18 @@
   <p:clrMapOvr>
     <a:masterClrMapping/>
   </p:clrMapOvr>
+  <mc:AlternateContent xmlns:mc="http://schemas.openxmlformats.org/markup-compatibility/2006">
+    <mc:Choice xmlns:p14="http://schemas.microsoft.com/office/powerpoint/2010/main" Requires="p14">
+      <p:transition spd="med" p14:dur="700">
+        <p:fade/>
+      </p:transition>
+    </mc:Choice>
+    <mc:Fallback>
+      <p:transition spd="med">
+        <p:fade/>
+      </p:transition>
+    </mc:Fallback>
+  </mc:AlternateContent>
 </p:sld>
 </file>
 
@@ -8815,6 +8863,18 @@
   <p:clrMapOvr>
     <a:masterClrMapping/>
   </p:clrMapOvr>
+  <mc:AlternateContent xmlns:mc="http://schemas.openxmlformats.org/markup-compatibility/2006">
+    <mc:Choice xmlns:p14="http://schemas.microsoft.com/office/powerpoint/2010/main" Requires="p14">
+      <p:transition spd="med" p14:dur="700">
+        <p:fade/>
+      </p:transition>
+    </mc:Choice>
+    <mc:Fallback>
+      <p:transition spd="med">
+        <p:fade/>
+      </p:transition>
+    </mc:Fallback>
+  </mc:AlternateContent>
 </p:sld>
 </file>
 
@@ -9582,6 +9642,18 @@
   <p:clrMapOvr>
     <a:masterClrMapping/>
   </p:clrMapOvr>
+  <mc:AlternateContent xmlns:mc="http://schemas.openxmlformats.org/markup-compatibility/2006">
+    <mc:Choice xmlns:p14="http://schemas.microsoft.com/office/powerpoint/2010/main" Requires="p14">
+      <p:transition spd="med" p14:dur="700">
+        <p:fade/>
+      </p:transition>
+    </mc:Choice>
+    <mc:Fallback>
+      <p:transition spd="med">
+        <p:fade/>
+      </p:transition>
+    </mc:Fallback>
+  </mc:AlternateContent>
 </p:sld>
 </file>
 
@@ -10225,6 +10297,18 @@
   <p:clrMapOvr>
     <a:masterClrMapping/>
   </p:clrMapOvr>
+  <mc:AlternateContent xmlns:mc="http://schemas.openxmlformats.org/markup-compatibility/2006">
+    <mc:Choice xmlns:p14="http://schemas.microsoft.com/office/powerpoint/2010/main" Requires="p14">
+      <p:transition spd="med" p14:dur="700">
+        <p:fade/>
+      </p:transition>
+    </mc:Choice>
+    <mc:Fallback>
+      <p:transition spd="med">
+        <p:fade/>
+      </p:transition>
+    </mc:Fallback>
+  </mc:AlternateContent>
 </p:sld>
 </file>
 
@@ -11227,6 +11311,18 @@
   <p:clrMapOvr>
     <a:masterClrMapping/>
   </p:clrMapOvr>
+  <mc:AlternateContent xmlns:mc="http://schemas.openxmlformats.org/markup-compatibility/2006">
+    <mc:Choice xmlns:p14="http://schemas.microsoft.com/office/powerpoint/2010/main" Requires="p14">
+      <p:transition spd="med" p14:dur="700">
+        <p:fade/>
+      </p:transition>
+    </mc:Choice>
+    <mc:Fallback>
+      <p:transition spd="med">
+        <p:fade/>
+      </p:transition>
+    </mc:Fallback>
+  </mc:AlternateContent>
 </p:sld>
 </file>
 
@@ -11969,6 +12065,18 @@
   <p:clrMapOvr>
     <a:masterClrMapping/>
   </p:clrMapOvr>
+  <mc:AlternateContent xmlns:mc="http://schemas.openxmlformats.org/markup-compatibility/2006">
+    <mc:Choice xmlns:p14="http://schemas.microsoft.com/office/powerpoint/2010/main" Requires="p14">
+      <p:transition spd="med" p14:dur="700">
+        <p:fade/>
+      </p:transition>
+    </mc:Choice>
+    <mc:Fallback>
+      <p:transition spd="med">
+        <p:fade/>
+      </p:transition>
+    </mc:Fallback>
+  </mc:AlternateContent>
 </p:sld>
 </file>
 
@@ -12718,6 +12826,18 @@
   <p:clrMapOvr>
     <a:masterClrMapping/>
   </p:clrMapOvr>
+  <mc:AlternateContent xmlns:mc="http://schemas.openxmlformats.org/markup-compatibility/2006">
+    <mc:Choice xmlns:p14="http://schemas.microsoft.com/office/powerpoint/2010/main" Requires="p14">
+      <p:transition spd="med" p14:dur="700">
+        <p:fade/>
+      </p:transition>
+    </mc:Choice>
+    <mc:Fallback>
+      <p:transition spd="med">
+        <p:fade/>
+      </p:transition>
+    </mc:Fallback>
+  </mc:AlternateContent>
 </p:sld>
 </file>
 
@@ -13282,6 +13402,18 @@
   <p:clrMapOvr>
     <a:masterClrMapping/>
   </p:clrMapOvr>
+  <mc:AlternateContent xmlns:mc="http://schemas.openxmlformats.org/markup-compatibility/2006">
+    <mc:Choice xmlns:p14="http://schemas.microsoft.com/office/powerpoint/2010/main" Requires="p14">
+      <p:transition spd="med" p14:dur="700">
+        <p:fade/>
+      </p:transition>
+    </mc:Choice>
+    <mc:Fallback>
+      <p:transition spd="med">
+        <p:fade/>
+      </p:transition>
+    </mc:Fallback>
+  </mc:AlternateContent>
 </p:sld>
 </file>
 

--- a/presentation/1884561_1895955_1882789_presentation.pptx
+++ b/presentation/1884561_1895955_1882789_presentation.pptx
@@ -6041,12 +6041,12 @@
   </p:clrMapOvr>
   <mc:AlternateContent xmlns:mc="http://schemas.openxmlformats.org/markup-compatibility/2006">
     <mc:Choice xmlns:p14="http://schemas.microsoft.com/office/powerpoint/2010/main" Requires="p14">
-      <p:transition spd="med" p14:dur="700">
+      <p:transition p14:dur="250">
         <p:fade/>
       </p:transition>
     </mc:Choice>
     <mc:Fallback>
-      <p:transition spd="med">
+      <p:transition>
         <p:fade/>
       </p:transition>
     </mc:Fallback>
@@ -6824,12 +6824,12 @@
   </p:clrMapOvr>
   <mc:AlternateContent xmlns:mc="http://schemas.openxmlformats.org/markup-compatibility/2006">
     <mc:Choice xmlns:p14="http://schemas.microsoft.com/office/powerpoint/2010/main" Requires="p14">
-      <p:transition spd="med" p14:dur="700">
+      <p:transition p14:dur="250">
         <p:fade/>
       </p:transition>
     </mc:Choice>
     <mc:Fallback>
-      <p:transition spd="med">
+      <p:transition>
         <p:fade/>
       </p:transition>
     </mc:Fallback>
@@ -7100,12 +7100,12 @@
   </p:clrMapOvr>
   <mc:AlternateContent xmlns:mc="http://schemas.openxmlformats.org/markup-compatibility/2006">
     <mc:Choice xmlns:p14="http://schemas.microsoft.com/office/powerpoint/2010/main" Requires="p14">
-      <p:transition spd="med" p14:dur="700">
+      <p:transition p14:dur="250">
         <p:fade/>
       </p:transition>
     </mc:Choice>
     <mc:Fallback>
-      <p:transition spd="med">
+      <p:transition>
         <p:fade/>
       </p:transition>
     </mc:Fallback>
@@ -7843,12 +7843,12 @@
   </p:clrMapOvr>
   <mc:AlternateContent xmlns:mc="http://schemas.openxmlformats.org/markup-compatibility/2006">
     <mc:Choice xmlns:p14="http://schemas.microsoft.com/office/powerpoint/2010/main" Requires="p14">
-      <p:transition spd="med" p14:dur="700">
+      <p:transition p14:dur="250">
         <p:fade/>
       </p:transition>
     </mc:Choice>
     <mc:Fallback>
-      <p:transition spd="med">
+      <p:transition>
         <p:fade/>
       </p:transition>
     </mc:Fallback>
@@ -8865,12 +8865,12 @@
   </p:clrMapOvr>
   <mc:AlternateContent xmlns:mc="http://schemas.openxmlformats.org/markup-compatibility/2006">
     <mc:Choice xmlns:p14="http://schemas.microsoft.com/office/powerpoint/2010/main" Requires="p14">
-      <p:transition spd="med" p14:dur="700">
+      <p:transition p14:dur="250">
         <p:fade/>
       </p:transition>
     </mc:Choice>
     <mc:Fallback>
-      <p:transition spd="med">
+      <p:transition>
         <p:fade/>
       </p:transition>
     </mc:Fallback>
@@ -9644,12 +9644,12 @@
   </p:clrMapOvr>
   <mc:AlternateContent xmlns:mc="http://schemas.openxmlformats.org/markup-compatibility/2006">
     <mc:Choice xmlns:p14="http://schemas.microsoft.com/office/powerpoint/2010/main" Requires="p14">
-      <p:transition spd="med" p14:dur="700">
+      <p:transition p14:dur="250">
         <p:fade/>
       </p:transition>
     </mc:Choice>
     <mc:Fallback>
-      <p:transition spd="med">
+      <p:transition>
         <p:fade/>
       </p:transition>
     </mc:Fallback>
@@ -10299,12 +10299,12 @@
   </p:clrMapOvr>
   <mc:AlternateContent xmlns:mc="http://schemas.openxmlformats.org/markup-compatibility/2006">
     <mc:Choice xmlns:p14="http://schemas.microsoft.com/office/powerpoint/2010/main" Requires="p14">
-      <p:transition spd="med" p14:dur="700">
+      <p:transition p14:dur="250">
         <p:fade/>
       </p:transition>
     </mc:Choice>
     <mc:Fallback>
-      <p:transition spd="med">
+      <p:transition>
         <p:fade/>
       </p:transition>
     </mc:Fallback>
@@ -11313,12 +11313,12 @@
   </p:clrMapOvr>
   <mc:AlternateContent xmlns:mc="http://schemas.openxmlformats.org/markup-compatibility/2006">
     <mc:Choice xmlns:p14="http://schemas.microsoft.com/office/powerpoint/2010/main" Requires="p14">
-      <p:transition spd="med" p14:dur="700">
+      <p:transition p14:dur="250">
         <p:fade/>
       </p:transition>
     </mc:Choice>
     <mc:Fallback>
-      <p:transition spd="med">
+      <p:transition>
         <p:fade/>
       </p:transition>
     </mc:Fallback>
@@ -12067,12 +12067,12 @@
   </p:clrMapOvr>
   <mc:AlternateContent xmlns:mc="http://schemas.openxmlformats.org/markup-compatibility/2006">
     <mc:Choice xmlns:p14="http://schemas.microsoft.com/office/powerpoint/2010/main" Requires="p14">
-      <p:transition spd="med" p14:dur="700">
+      <p:transition p14:dur="250">
         <p:fade/>
       </p:transition>
     </mc:Choice>
     <mc:Fallback>
-      <p:transition spd="med">
+      <p:transition>
         <p:fade/>
       </p:transition>
     </mc:Fallback>
@@ -12828,12 +12828,12 @@
   </p:clrMapOvr>
   <mc:AlternateContent xmlns:mc="http://schemas.openxmlformats.org/markup-compatibility/2006">
     <mc:Choice xmlns:p14="http://schemas.microsoft.com/office/powerpoint/2010/main" Requires="p14">
-      <p:transition spd="med" p14:dur="700">
+      <p:transition p14:dur="250">
         <p:fade/>
       </p:transition>
     </mc:Choice>
     <mc:Fallback>
-      <p:transition spd="med">
+      <p:transition>
         <p:fade/>
       </p:transition>
     </mc:Fallback>
@@ -13404,12 +13404,12 @@
   </p:clrMapOvr>
   <mc:AlternateContent xmlns:mc="http://schemas.openxmlformats.org/markup-compatibility/2006">
     <mc:Choice xmlns:p14="http://schemas.microsoft.com/office/powerpoint/2010/main" Requires="p14">
-      <p:transition spd="med" p14:dur="700">
+      <p:transition p14:dur="250">
         <p:fade/>
       </p:transition>
     </mc:Choice>
     <mc:Fallback>
-      <p:transition spd="med">
+      <p:transition>
         <p:fade/>
       </p:transition>
     </mc:Fallback>
@@ -13715,14 +13715,14 @@
         <a:effectLst/>
         <a:extLst>
           <a:ext uri="{909E8E84-426E-40dd-AFC4-6F175D3DCCD1}">
-            <a14:hiddenFill xmlns:a14="http://schemas.microsoft.com/office/drawing/2010/main" xmlns="">
+            <a14:hiddenFill xmlns="" xmlns:a14="http://schemas.microsoft.com/office/drawing/2010/main">
               <a:solidFill>
                 <a:schemeClr val="accent1"/>
               </a:solidFill>
             </a14:hiddenFill>
           </a:ext>
           <a:ext uri="{91240B29-F687-4f45-9708-019B960494DF}">
-            <a14:hiddenLine xmlns:a14="http://schemas.microsoft.com/office/drawing/2010/main" xmlns="" w="9525" cap="flat" cmpd="sng" algn="ctr">
+            <a14:hiddenLine xmlns="" xmlns:a14="http://schemas.microsoft.com/office/drawing/2010/main" w="9525" cap="flat" cmpd="sng" algn="ctr">
               <a:solidFill>
                 <a:schemeClr val="tx1"/>
               </a:solidFill>
@@ -13733,7 +13733,7 @@
             </a14:hiddenLine>
           </a:ext>
           <a:ext uri="{AF507438-7753-43e0-B8FC-AC1667EBCBE1}">
-            <a14:hiddenEffects xmlns:a14="http://schemas.microsoft.com/office/drawing/2010/main" xmlns="">
+            <a14:hiddenEffects xmlns="" xmlns:a14="http://schemas.microsoft.com/office/drawing/2010/main">
               <a:effectLst>
                 <a:outerShdw blurRad="63500" dist="38099" dir="2700000" algn="ctr" rotWithShape="0">
                   <a:srgbClr val="000000">
@@ -13802,14 +13802,14 @@
         <a:effectLst/>
         <a:extLst>
           <a:ext uri="{909E8E84-426E-40dd-AFC4-6F175D3DCCD1}">
-            <a14:hiddenFill xmlns:a14="http://schemas.microsoft.com/office/drawing/2010/main" xmlns="">
+            <a14:hiddenFill xmlns="" xmlns:a14="http://schemas.microsoft.com/office/drawing/2010/main">
               <a:solidFill>
                 <a:schemeClr val="accent1"/>
               </a:solidFill>
             </a14:hiddenFill>
           </a:ext>
           <a:ext uri="{91240B29-F687-4f45-9708-019B960494DF}">
-            <a14:hiddenLine xmlns:a14="http://schemas.microsoft.com/office/drawing/2010/main" xmlns="" w="9525" cap="flat" cmpd="sng" algn="ctr">
+            <a14:hiddenLine xmlns="" xmlns:a14="http://schemas.microsoft.com/office/drawing/2010/main" w="9525" cap="flat" cmpd="sng" algn="ctr">
               <a:solidFill>
                 <a:schemeClr val="tx1"/>
               </a:solidFill>
@@ -13820,7 +13820,7 @@
             </a14:hiddenLine>
           </a:ext>
           <a:ext uri="{AF507438-7753-43e0-B8FC-AC1667EBCBE1}">
-            <a14:hiddenEffects xmlns:a14="http://schemas.microsoft.com/office/drawing/2010/main" xmlns="">
+            <a14:hiddenEffects xmlns="" xmlns:a14="http://schemas.microsoft.com/office/drawing/2010/main">
               <a:effectLst>
                 <a:outerShdw blurRad="63500" dist="38099" dir="2700000" algn="ctr" rotWithShape="0">
                   <a:srgbClr val="000000">

--- a/presentation/1884561_1895955_1882789_presentation.pptx
+++ b/presentation/1884561_1895955_1882789_presentation.pptx
@@ -6039,13 +6039,13 @@
   <p:clrMapOvr>
     <a:masterClrMapping/>
   </p:clrMapOvr>
-  <mc:AlternateContent xmlns:mc="http://schemas.openxmlformats.org/markup-compatibility/2006">
-    <mc:Choice xmlns:p14="http://schemas.microsoft.com/office/powerpoint/2010/main" Requires="p14">
+  <mc:AlternateContent xmlns:mc="http://schemas.openxmlformats.org/markup-compatibility/2006" xmlns:p14="http://schemas.microsoft.com/office/powerpoint/2010/main">
+    <mc:Choice Requires="p14">
       <p:transition p14:dur="250">
         <p:fade/>
       </p:transition>
     </mc:Choice>
-    <mc:Fallback>
+    <mc:Fallback xmlns="">
       <p:transition>
         <p:fade/>
       </p:transition>
@@ -6822,13 +6822,13 @@
   <p:clrMapOvr>
     <a:masterClrMapping/>
   </p:clrMapOvr>
-  <mc:AlternateContent xmlns:mc="http://schemas.openxmlformats.org/markup-compatibility/2006">
-    <mc:Choice xmlns:p14="http://schemas.microsoft.com/office/powerpoint/2010/main" Requires="p14">
+  <mc:AlternateContent xmlns:mc="http://schemas.openxmlformats.org/markup-compatibility/2006" xmlns:p14="http://schemas.microsoft.com/office/powerpoint/2010/main">
+    <mc:Choice Requires="p14">
       <p:transition p14:dur="250">
         <p:fade/>
       </p:transition>
     </mc:Choice>
-    <mc:Fallback>
+    <mc:Fallback xmlns="">
       <p:transition>
         <p:fade/>
       </p:transition>
@@ -7098,104 +7098,18 @@
   <p:clrMapOvr>
     <a:masterClrMapping/>
   </p:clrMapOvr>
-  <mc:AlternateContent xmlns:mc="http://schemas.openxmlformats.org/markup-compatibility/2006">
-    <mc:Choice xmlns:p14="http://schemas.microsoft.com/office/powerpoint/2010/main" Requires="p14">
+  <mc:AlternateContent xmlns:mc="http://schemas.openxmlformats.org/markup-compatibility/2006" xmlns:p14="http://schemas.microsoft.com/office/powerpoint/2010/main">
+    <mc:Choice Requires="p14">
       <p:transition p14:dur="250">
         <p:fade/>
       </p:transition>
     </mc:Choice>
-    <mc:Fallback>
+    <mc:Fallback xmlns="">
       <p:transition>
         <p:fade/>
       </p:transition>
     </mc:Fallback>
   </mc:AlternateContent>
-  <p:timing>
-    <p:tnLst>
-      <p:par>
-        <p:cTn id="1" dur="indefinite" restart="never" nodeType="tmRoot">
-          <p:childTnLst>
-            <p:seq concurrent="1" nextAc="seek">
-              <p:cTn id="2" dur="indefinite" nodeType="mainSeq">
-                <p:childTnLst>
-                  <p:par>
-                    <p:cTn id="3" fill="hold">
-                      <p:stCondLst>
-                        <p:cond delay="indefinite"/>
-                      </p:stCondLst>
-                      <p:childTnLst>
-                        <p:par>
-                          <p:cTn id="4" fill="hold">
-                            <p:stCondLst>
-                              <p:cond delay="0"/>
-                            </p:stCondLst>
-                            <p:childTnLst>
-                              <p:par>
-                                <p:cTn id="5" presetID="10" presetClass="entr" presetSubtype="0" fill="hold" grpId="0" nodeType="clickEffect">
-                                  <p:stCondLst>
-                                    <p:cond delay="0"/>
-                                  </p:stCondLst>
-                                  <p:childTnLst>
-                                    <p:set>
-                                      <p:cBhvr>
-                                        <p:cTn id="6" dur="1" fill="hold">
-                                          <p:stCondLst>
-                                            <p:cond delay="0"/>
-                                          </p:stCondLst>
-                                        </p:cTn>
-                                        <p:tgtEl>
-                                          <p:spTgt spid="7"/>
-                                        </p:tgtEl>
-                                        <p:attrNameLst>
-                                          <p:attrName>style.visibility</p:attrName>
-                                        </p:attrNameLst>
-                                      </p:cBhvr>
-                                      <p:to>
-                                        <p:strVal val="visible"/>
-                                      </p:to>
-                                    </p:set>
-                                    <p:animEffect transition="in" filter="fade">
-                                      <p:cBhvr>
-                                        <p:cTn id="7" dur="500"/>
-                                        <p:tgtEl>
-                                          <p:spTgt spid="7"/>
-                                        </p:tgtEl>
-                                      </p:cBhvr>
-                                    </p:animEffect>
-                                  </p:childTnLst>
-                                </p:cTn>
-                              </p:par>
-                            </p:childTnLst>
-                          </p:cTn>
-                        </p:par>
-                      </p:childTnLst>
-                    </p:cTn>
-                  </p:par>
-                </p:childTnLst>
-              </p:cTn>
-              <p:prevCondLst>
-                <p:cond evt="onPrev" delay="0">
-                  <p:tgtEl>
-                    <p:sldTgt/>
-                  </p:tgtEl>
-                </p:cond>
-              </p:prevCondLst>
-              <p:nextCondLst>
-                <p:cond evt="onNext" delay="0">
-                  <p:tgtEl>
-                    <p:sldTgt/>
-                  </p:tgtEl>
-                </p:cond>
-              </p:nextCondLst>
-            </p:seq>
-          </p:childTnLst>
-        </p:cTn>
-      </p:par>
-    </p:tnLst>
-    <p:bldLst>
-      <p:bldP spid="7" grpId="0" animBg="1"/>
-    </p:bldLst>
-  </p:timing>
 </p:sld>
 </file>
 
@@ -7841,13 +7755,13 @@
   <p:clrMapOvr>
     <a:masterClrMapping/>
   </p:clrMapOvr>
-  <mc:AlternateContent xmlns:mc="http://schemas.openxmlformats.org/markup-compatibility/2006">
-    <mc:Choice xmlns:p14="http://schemas.microsoft.com/office/powerpoint/2010/main" Requires="p14">
+  <mc:AlternateContent xmlns:mc="http://schemas.openxmlformats.org/markup-compatibility/2006" xmlns:p14="http://schemas.microsoft.com/office/powerpoint/2010/main">
+    <mc:Choice Requires="p14">
       <p:transition p14:dur="250">
         <p:fade/>
       </p:transition>
     </mc:Choice>
-    <mc:Fallback>
+    <mc:Fallback xmlns="">
       <p:transition>
         <p:fade/>
       </p:transition>
@@ -8863,13 +8777,13 @@
   <p:clrMapOvr>
     <a:masterClrMapping/>
   </p:clrMapOvr>
-  <mc:AlternateContent xmlns:mc="http://schemas.openxmlformats.org/markup-compatibility/2006">
-    <mc:Choice xmlns:p14="http://schemas.microsoft.com/office/powerpoint/2010/main" Requires="p14">
+  <mc:AlternateContent xmlns:mc="http://schemas.openxmlformats.org/markup-compatibility/2006" xmlns:p14="http://schemas.microsoft.com/office/powerpoint/2010/main">
+    <mc:Choice Requires="p14">
       <p:transition p14:dur="250">
         <p:fade/>
       </p:transition>
     </mc:Choice>
-    <mc:Fallback>
+    <mc:Fallback xmlns="">
       <p:transition>
         <p:fade/>
       </p:transition>
@@ -9642,13 +9556,13 @@
   <p:clrMapOvr>
     <a:masterClrMapping/>
   </p:clrMapOvr>
-  <mc:AlternateContent xmlns:mc="http://schemas.openxmlformats.org/markup-compatibility/2006">
-    <mc:Choice xmlns:p14="http://schemas.microsoft.com/office/powerpoint/2010/main" Requires="p14">
+  <mc:AlternateContent xmlns:mc="http://schemas.openxmlformats.org/markup-compatibility/2006" xmlns:p14="http://schemas.microsoft.com/office/powerpoint/2010/main">
+    <mc:Choice Requires="p14">
       <p:transition p14:dur="250">
         <p:fade/>
       </p:transition>
     </mc:Choice>
-    <mc:Fallback>
+    <mc:Fallback xmlns="">
       <p:transition>
         <p:fade/>
       </p:transition>
@@ -10297,13 +10211,13 @@
   <p:clrMapOvr>
     <a:masterClrMapping/>
   </p:clrMapOvr>
-  <mc:AlternateContent xmlns:mc="http://schemas.openxmlformats.org/markup-compatibility/2006">
-    <mc:Choice xmlns:p14="http://schemas.microsoft.com/office/powerpoint/2010/main" Requires="p14">
+  <mc:AlternateContent xmlns:mc="http://schemas.openxmlformats.org/markup-compatibility/2006" xmlns:p14="http://schemas.microsoft.com/office/powerpoint/2010/main">
+    <mc:Choice Requires="p14">
       <p:transition p14:dur="250">
         <p:fade/>
       </p:transition>
     </mc:Choice>
-    <mc:Fallback>
+    <mc:Fallback xmlns="">
       <p:transition>
         <p:fade/>
       </p:transition>
@@ -11311,13 +11225,13 @@
   <p:clrMapOvr>
     <a:masterClrMapping/>
   </p:clrMapOvr>
-  <mc:AlternateContent xmlns:mc="http://schemas.openxmlformats.org/markup-compatibility/2006">
-    <mc:Choice xmlns:p14="http://schemas.microsoft.com/office/powerpoint/2010/main" Requires="p14">
+  <mc:AlternateContent xmlns:mc="http://schemas.openxmlformats.org/markup-compatibility/2006" xmlns:p14="http://schemas.microsoft.com/office/powerpoint/2010/main">
+    <mc:Choice Requires="p14">
       <p:transition p14:dur="250">
         <p:fade/>
       </p:transition>
     </mc:Choice>
-    <mc:Fallback>
+    <mc:Fallback xmlns="">
       <p:transition>
         <p:fade/>
       </p:transition>
@@ -12065,13 +11979,13 @@
   <p:clrMapOvr>
     <a:masterClrMapping/>
   </p:clrMapOvr>
-  <mc:AlternateContent xmlns:mc="http://schemas.openxmlformats.org/markup-compatibility/2006">
-    <mc:Choice xmlns:p14="http://schemas.microsoft.com/office/powerpoint/2010/main" Requires="p14">
+  <mc:AlternateContent xmlns:mc="http://schemas.openxmlformats.org/markup-compatibility/2006" xmlns:p14="http://schemas.microsoft.com/office/powerpoint/2010/main">
+    <mc:Choice Requires="p14">
       <p:transition p14:dur="250">
         <p:fade/>
       </p:transition>
     </mc:Choice>
-    <mc:Fallback>
+    <mc:Fallback xmlns="">
       <p:transition>
         <p:fade/>
       </p:transition>
@@ -12826,13 +12740,13 @@
   <p:clrMapOvr>
     <a:masterClrMapping/>
   </p:clrMapOvr>
-  <mc:AlternateContent xmlns:mc="http://schemas.openxmlformats.org/markup-compatibility/2006">
-    <mc:Choice xmlns:p14="http://schemas.microsoft.com/office/powerpoint/2010/main" Requires="p14">
+  <mc:AlternateContent xmlns:mc="http://schemas.openxmlformats.org/markup-compatibility/2006" xmlns:p14="http://schemas.microsoft.com/office/powerpoint/2010/main">
+    <mc:Choice Requires="p14">
       <p:transition p14:dur="250">
         <p:fade/>
       </p:transition>
     </mc:Choice>
-    <mc:Fallback>
+    <mc:Fallback xmlns="">
       <p:transition>
         <p:fade/>
       </p:transition>
@@ -13402,13 +13316,13 @@
   <p:clrMapOvr>
     <a:masterClrMapping/>
   </p:clrMapOvr>
-  <mc:AlternateContent xmlns:mc="http://schemas.openxmlformats.org/markup-compatibility/2006">
-    <mc:Choice xmlns:p14="http://schemas.microsoft.com/office/powerpoint/2010/main" Requires="p14">
+  <mc:AlternateContent xmlns:mc="http://schemas.openxmlformats.org/markup-compatibility/2006" xmlns:p14="http://schemas.microsoft.com/office/powerpoint/2010/main">
+    <mc:Choice Requires="p14">
       <p:transition p14:dur="250">
         <p:fade/>
       </p:transition>
     </mc:Choice>
-    <mc:Fallback>
+    <mc:Fallback xmlns="">
       <p:transition>
         <p:fade/>
       </p:transition>
@@ -13715,14 +13629,14 @@
         <a:effectLst/>
         <a:extLst>
           <a:ext uri="{909E8E84-426E-40dd-AFC4-6F175D3DCCD1}">
-            <a14:hiddenFill xmlns="" xmlns:a14="http://schemas.microsoft.com/office/drawing/2010/main">
+            <a14:hiddenFill xmlns:a14="http://schemas.microsoft.com/office/drawing/2010/main" xmlns="">
               <a:solidFill>
                 <a:schemeClr val="accent1"/>
               </a:solidFill>
             </a14:hiddenFill>
           </a:ext>
           <a:ext uri="{91240B29-F687-4f45-9708-019B960494DF}">
-            <a14:hiddenLine xmlns="" xmlns:a14="http://schemas.microsoft.com/office/drawing/2010/main" w="9525" cap="flat" cmpd="sng" algn="ctr">
+            <a14:hiddenLine xmlns:a14="http://schemas.microsoft.com/office/drawing/2010/main" xmlns="" w="9525" cap="flat" cmpd="sng" algn="ctr">
               <a:solidFill>
                 <a:schemeClr val="tx1"/>
               </a:solidFill>
@@ -13733,7 +13647,7 @@
             </a14:hiddenLine>
           </a:ext>
           <a:ext uri="{AF507438-7753-43e0-B8FC-AC1667EBCBE1}">
-            <a14:hiddenEffects xmlns="" xmlns:a14="http://schemas.microsoft.com/office/drawing/2010/main">
+            <a14:hiddenEffects xmlns:a14="http://schemas.microsoft.com/office/drawing/2010/main" xmlns="">
               <a:effectLst>
                 <a:outerShdw blurRad="63500" dist="38099" dir="2700000" algn="ctr" rotWithShape="0">
                   <a:srgbClr val="000000">
@@ -13802,14 +13716,14 @@
         <a:effectLst/>
         <a:extLst>
           <a:ext uri="{909E8E84-426E-40dd-AFC4-6F175D3DCCD1}">
-            <a14:hiddenFill xmlns="" xmlns:a14="http://schemas.microsoft.com/office/drawing/2010/main">
+            <a14:hiddenFill xmlns:a14="http://schemas.microsoft.com/office/drawing/2010/main" xmlns="">
               <a:solidFill>
                 <a:schemeClr val="accent1"/>
               </a:solidFill>
             </a14:hiddenFill>
           </a:ext>
           <a:ext uri="{91240B29-F687-4f45-9708-019B960494DF}">
-            <a14:hiddenLine xmlns="" xmlns:a14="http://schemas.microsoft.com/office/drawing/2010/main" w="9525" cap="flat" cmpd="sng" algn="ctr">
+            <a14:hiddenLine xmlns:a14="http://schemas.microsoft.com/office/drawing/2010/main" xmlns="" w="9525" cap="flat" cmpd="sng" algn="ctr">
               <a:solidFill>
                 <a:schemeClr val="tx1"/>
               </a:solidFill>
@@ -13820,7 +13734,7 @@
             </a14:hiddenLine>
           </a:ext>
           <a:ext uri="{AF507438-7753-43e0-B8FC-AC1667EBCBE1}">
-            <a14:hiddenEffects xmlns="" xmlns:a14="http://schemas.microsoft.com/office/drawing/2010/main">
+            <a14:hiddenEffects xmlns:a14="http://schemas.microsoft.com/office/drawing/2010/main" xmlns="">
               <a:effectLst>
                 <a:outerShdw blurRad="63500" dist="38099" dir="2700000" algn="ctr" rotWithShape="0">
                   <a:srgbClr val="000000">
